--- a/modello concettuale/modello concettuale.pptx
+++ b/modello concettuale/modello concettuale.pptx
@@ -114,6 +114,10 @@
 </p:presentation>
 </file>
 
+<file path=ppt/revisionInfo.xml><?xml version="1.0" encoding="utf-8"?>
+<p1510:revInfo xmlns:a="http://schemas.openxmlformats.org/drawingml/2006/main" xmlns:r="http://schemas.openxmlformats.org/officeDocument/2006/relationships" xmlns:p1510="http://schemas.microsoft.com/office/powerpoint/2015/10/main"/>
+</file>
+
 <file path=ppt/slideLayouts/slideLayout1.xml><?xml version="1.0" encoding="utf-8"?>
 <p:sldLayout xmlns:a="http://schemas.openxmlformats.org/drawingml/2006/main" xmlns:r="http://schemas.openxmlformats.org/officeDocument/2006/relationships" xmlns:p="http://schemas.openxmlformats.org/presentationml/2006/main" type="title" preserve="1">
   <p:cSld name="Diapositiva titolo">
@@ -245,7 +249,7 @@
           <a:p>
             <a:fld id="{524B5D1A-7D56-4B24-B1F1-9962EB8B055B}" type="datetimeFigureOut">
               <a:rPr lang="it-IT" smtClean="0"/>
-              <a:t>07/06/2018</a:t>
+              <a:t>26/06/2018</a:t>
             </a:fld>
             <a:endParaRPr lang="it-IT"/>
           </a:p>
@@ -415,7 +419,7 @@
           <a:p>
             <a:fld id="{524B5D1A-7D56-4B24-B1F1-9962EB8B055B}" type="datetimeFigureOut">
               <a:rPr lang="it-IT" smtClean="0"/>
-              <a:t>07/06/2018</a:t>
+              <a:t>26/06/2018</a:t>
             </a:fld>
             <a:endParaRPr lang="it-IT"/>
           </a:p>
@@ -595,7 +599,7 @@
           <a:p>
             <a:fld id="{524B5D1A-7D56-4B24-B1F1-9962EB8B055B}" type="datetimeFigureOut">
               <a:rPr lang="it-IT" smtClean="0"/>
-              <a:t>07/06/2018</a:t>
+              <a:t>26/06/2018</a:t>
             </a:fld>
             <a:endParaRPr lang="it-IT"/>
           </a:p>
@@ -765,7 +769,7 @@
           <a:p>
             <a:fld id="{524B5D1A-7D56-4B24-B1F1-9962EB8B055B}" type="datetimeFigureOut">
               <a:rPr lang="it-IT" smtClean="0"/>
-              <a:t>07/06/2018</a:t>
+              <a:t>26/06/2018</a:t>
             </a:fld>
             <a:endParaRPr lang="it-IT"/>
           </a:p>
@@ -1009,7 +1013,7 @@
           <a:p>
             <a:fld id="{524B5D1A-7D56-4B24-B1F1-9962EB8B055B}" type="datetimeFigureOut">
               <a:rPr lang="it-IT" smtClean="0"/>
-              <a:t>07/06/2018</a:t>
+              <a:t>26/06/2018</a:t>
             </a:fld>
             <a:endParaRPr lang="it-IT"/>
           </a:p>
@@ -1241,7 +1245,7 @@
           <a:p>
             <a:fld id="{524B5D1A-7D56-4B24-B1F1-9962EB8B055B}" type="datetimeFigureOut">
               <a:rPr lang="it-IT" smtClean="0"/>
-              <a:t>07/06/2018</a:t>
+              <a:t>26/06/2018</a:t>
             </a:fld>
             <a:endParaRPr lang="it-IT"/>
           </a:p>
@@ -1608,7 +1612,7 @@
           <a:p>
             <a:fld id="{524B5D1A-7D56-4B24-B1F1-9962EB8B055B}" type="datetimeFigureOut">
               <a:rPr lang="it-IT" smtClean="0"/>
-              <a:t>07/06/2018</a:t>
+              <a:t>26/06/2018</a:t>
             </a:fld>
             <a:endParaRPr lang="it-IT"/>
           </a:p>
@@ -1726,7 +1730,7 @@
           <a:p>
             <a:fld id="{524B5D1A-7D56-4B24-B1F1-9962EB8B055B}" type="datetimeFigureOut">
               <a:rPr lang="it-IT" smtClean="0"/>
-              <a:t>07/06/2018</a:t>
+              <a:t>26/06/2018</a:t>
             </a:fld>
             <a:endParaRPr lang="it-IT"/>
           </a:p>
@@ -1821,7 +1825,7 @@
           <a:p>
             <a:fld id="{524B5D1A-7D56-4B24-B1F1-9962EB8B055B}" type="datetimeFigureOut">
               <a:rPr lang="it-IT" smtClean="0"/>
-              <a:t>07/06/2018</a:t>
+              <a:t>26/06/2018</a:t>
             </a:fld>
             <a:endParaRPr lang="it-IT"/>
           </a:p>
@@ -2098,7 +2102,7 @@
           <a:p>
             <a:fld id="{524B5D1A-7D56-4B24-B1F1-9962EB8B055B}" type="datetimeFigureOut">
               <a:rPr lang="it-IT" smtClean="0"/>
-              <a:t>07/06/2018</a:t>
+              <a:t>26/06/2018</a:t>
             </a:fld>
             <a:endParaRPr lang="it-IT"/>
           </a:p>
@@ -2355,7 +2359,7 @@
           <a:p>
             <a:fld id="{524B5D1A-7D56-4B24-B1F1-9962EB8B055B}" type="datetimeFigureOut">
               <a:rPr lang="it-IT" smtClean="0"/>
-              <a:t>07/06/2018</a:t>
+              <a:t>26/06/2018</a:t>
             </a:fld>
             <a:endParaRPr lang="it-IT"/>
           </a:p>
@@ -2568,7 +2572,7 @@
           <a:p>
             <a:fld id="{524B5D1A-7D56-4B24-B1F1-9962EB8B055B}" type="datetimeFigureOut">
               <a:rPr lang="it-IT" smtClean="0"/>
-              <a:t>07/06/2018</a:t>
+              <a:t>26/06/2018</a:t>
             </a:fld>
             <a:endParaRPr lang="it-IT"/>
           </a:p>
@@ -3022,7 +3026,7 @@
             <p:ph idx="1"/>
             <p:extLst>
               <p:ext uri="{D42A27DB-BD31-4B8C-83A1-F6EECF244321}">
-                <p14:modId xmlns:p14="http://schemas.microsoft.com/office/powerpoint/2010/main" val="1673738644"/>
+                <p14:modId xmlns:p14="http://schemas.microsoft.com/office/powerpoint/2010/main" val="1065980654"/>
               </p:ext>
             </p:extLst>
           </p:nvPr>
@@ -3232,7 +3236,7 @@
                     <a:p>
                       <a:r>
                         <a:rPr lang="it-IT" sz="1700" dirty="0"/>
-                        <a:t>parola chiave, ristampa, data pubblicazione,</a:t>
+                        <a:t>parola chiave, ristampa, anno pubblicazione,</a:t>
                       </a:r>
                     </a:p>
                     <a:p>
@@ -3363,13 +3367,7 @@
                     <a:p>
                       <a:r>
                         <a:rPr lang="it-IT" sz="1700" dirty="0"/>
-                        <a:t>data recensione, </a:t>
-                      </a:r>
-                    </a:p>
-                    <a:p>
-                      <a:r>
-                        <a:rPr lang="it-IT" sz="1700" dirty="0"/>
-                        <a:t>ora, </a:t>
+                        <a:t>data ora, </a:t>
                       </a:r>
                     </a:p>
                     <a:p>
@@ -3440,7 +3438,7 @@
                     <a:p>
                       <a:r>
                         <a:rPr lang="it-IT" sz="1700" dirty="0"/>
-                        <a:t>Numero</a:t>
+                        <a:t>numero</a:t>
                       </a:r>
                     </a:p>
                   </a:txBody>
@@ -3624,7 +3622,7 @@
           <p:nvPr>
             <p:extLst>
               <p:ext uri="{D42A27DB-BD31-4B8C-83A1-F6EECF244321}">
-                <p14:modId xmlns:p14="http://schemas.microsoft.com/office/powerpoint/2010/main" val="551385672"/>
+                <p14:modId xmlns:p14="http://schemas.microsoft.com/office/powerpoint/2010/main" val="3153005583"/>
               </p:ext>
             </p:extLst>
           </p:nvPr>
@@ -3906,13 +3904,8 @@
                     <a:p>
                       <a:r>
                         <a:rPr lang="it-IT" sz="1700" dirty="0"/>
-                        <a:t>data </a:t>
-                      </a:r>
-                      <a:r>
-                        <a:rPr lang="it-IT" sz="1700" dirty="0" err="1"/>
-                        <a:t>likes</a:t>
-                      </a:r>
-                      <a:endParaRPr lang="it-IT" sz="1700" dirty="0"/>
+                        <a:t>data ora</a:t>
+                      </a:r>
                     </a:p>
                   </a:txBody>
                   <a:tcPr marL="38576" marR="38576" marT="50029" marB="50029"/>
@@ -4004,7 +3997,7 @@
           <p:nvPr>
             <p:extLst>
               <p:ext uri="{D42A27DB-BD31-4B8C-83A1-F6EECF244321}">
-                <p14:modId xmlns:p14="http://schemas.microsoft.com/office/powerpoint/2010/main" val="2983299392"/>
+                <p14:modId xmlns:p14="http://schemas.microsoft.com/office/powerpoint/2010/main" val="2143019782"/>
               </p:ext>
             </p:extLst>
           </p:nvPr>
@@ -4226,7 +4219,7 @@
                     <a:p>
                       <a:r>
                         <a:rPr lang="it-IT" sz="1700" dirty="0"/>
-                        <a:t>data modifica,</a:t>
+                        <a:t>data ora,</a:t>
                       </a:r>
                     </a:p>
                     <a:p>

--- a/modello concettuale/modello concettuale.pptx
+++ b/modello concettuale/modello concettuale.pptx
@@ -114,10 +114,6 @@
 </p:presentation>
 </file>
 
-<file path=ppt/revisionInfo.xml><?xml version="1.0" encoding="utf-8"?>
-<p1510:revInfo xmlns:a="http://schemas.openxmlformats.org/drawingml/2006/main" xmlns:r="http://schemas.openxmlformats.org/officeDocument/2006/relationships" xmlns:p1510="http://schemas.microsoft.com/office/powerpoint/2015/10/main"/>
-</file>
-
 <file path=ppt/slideLayouts/slideLayout1.xml><?xml version="1.0" encoding="utf-8"?>
 <p:sldLayout xmlns:a="http://schemas.openxmlformats.org/drawingml/2006/main" xmlns:r="http://schemas.openxmlformats.org/officeDocument/2006/relationships" xmlns:p="http://schemas.openxmlformats.org/presentationml/2006/main" type="title" preserve="1">
   <p:cSld name="Diapositiva titolo">
@@ -249,7 +245,7 @@
           <a:p>
             <a:fld id="{524B5D1A-7D56-4B24-B1F1-9962EB8B055B}" type="datetimeFigureOut">
               <a:rPr lang="it-IT" smtClean="0"/>
-              <a:t>26/06/2018</a:t>
+              <a:t>28/06/2018</a:t>
             </a:fld>
             <a:endParaRPr lang="it-IT"/>
           </a:p>
@@ -419,7 +415,7 @@
           <a:p>
             <a:fld id="{524B5D1A-7D56-4B24-B1F1-9962EB8B055B}" type="datetimeFigureOut">
               <a:rPr lang="it-IT" smtClean="0"/>
-              <a:t>26/06/2018</a:t>
+              <a:t>28/06/2018</a:t>
             </a:fld>
             <a:endParaRPr lang="it-IT"/>
           </a:p>
@@ -599,7 +595,7 @@
           <a:p>
             <a:fld id="{524B5D1A-7D56-4B24-B1F1-9962EB8B055B}" type="datetimeFigureOut">
               <a:rPr lang="it-IT" smtClean="0"/>
-              <a:t>26/06/2018</a:t>
+              <a:t>28/06/2018</a:t>
             </a:fld>
             <a:endParaRPr lang="it-IT"/>
           </a:p>
@@ -769,7 +765,7 @@
           <a:p>
             <a:fld id="{524B5D1A-7D56-4B24-B1F1-9962EB8B055B}" type="datetimeFigureOut">
               <a:rPr lang="it-IT" smtClean="0"/>
-              <a:t>26/06/2018</a:t>
+              <a:t>28/06/2018</a:t>
             </a:fld>
             <a:endParaRPr lang="it-IT"/>
           </a:p>
@@ -1013,7 +1009,7 @@
           <a:p>
             <a:fld id="{524B5D1A-7D56-4B24-B1F1-9962EB8B055B}" type="datetimeFigureOut">
               <a:rPr lang="it-IT" smtClean="0"/>
-              <a:t>26/06/2018</a:t>
+              <a:t>28/06/2018</a:t>
             </a:fld>
             <a:endParaRPr lang="it-IT"/>
           </a:p>
@@ -1245,7 +1241,7 @@
           <a:p>
             <a:fld id="{524B5D1A-7D56-4B24-B1F1-9962EB8B055B}" type="datetimeFigureOut">
               <a:rPr lang="it-IT" smtClean="0"/>
-              <a:t>26/06/2018</a:t>
+              <a:t>28/06/2018</a:t>
             </a:fld>
             <a:endParaRPr lang="it-IT"/>
           </a:p>
@@ -1612,7 +1608,7 @@
           <a:p>
             <a:fld id="{524B5D1A-7D56-4B24-B1F1-9962EB8B055B}" type="datetimeFigureOut">
               <a:rPr lang="it-IT" smtClean="0"/>
-              <a:t>26/06/2018</a:t>
+              <a:t>28/06/2018</a:t>
             </a:fld>
             <a:endParaRPr lang="it-IT"/>
           </a:p>
@@ -1730,7 +1726,7 @@
           <a:p>
             <a:fld id="{524B5D1A-7D56-4B24-B1F1-9962EB8B055B}" type="datetimeFigureOut">
               <a:rPr lang="it-IT" smtClean="0"/>
-              <a:t>26/06/2018</a:t>
+              <a:t>28/06/2018</a:t>
             </a:fld>
             <a:endParaRPr lang="it-IT"/>
           </a:p>
@@ -1825,7 +1821,7 @@
           <a:p>
             <a:fld id="{524B5D1A-7D56-4B24-B1F1-9962EB8B055B}" type="datetimeFigureOut">
               <a:rPr lang="it-IT" smtClean="0"/>
-              <a:t>26/06/2018</a:t>
+              <a:t>28/06/2018</a:t>
             </a:fld>
             <a:endParaRPr lang="it-IT"/>
           </a:p>
@@ -2102,7 +2098,7 @@
           <a:p>
             <a:fld id="{524B5D1A-7D56-4B24-B1F1-9962EB8B055B}" type="datetimeFigureOut">
               <a:rPr lang="it-IT" smtClean="0"/>
-              <a:t>26/06/2018</a:t>
+              <a:t>28/06/2018</a:t>
             </a:fld>
             <a:endParaRPr lang="it-IT"/>
           </a:p>
@@ -2359,7 +2355,7 @@
           <a:p>
             <a:fld id="{524B5D1A-7D56-4B24-B1F1-9962EB8B055B}" type="datetimeFigureOut">
               <a:rPr lang="it-IT" smtClean="0"/>
-              <a:t>26/06/2018</a:t>
+              <a:t>28/06/2018</a:t>
             </a:fld>
             <a:endParaRPr lang="it-IT"/>
           </a:p>
@@ -2572,7 +2568,7 @@
           <a:p>
             <a:fld id="{524B5D1A-7D56-4B24-B1F1-9962EB8B055B}" type="datetimeFigureOut">
               <a:rPr lang="it-IT" smtClean="0"/>
-              <a:t>26/06/2018</a:t>
+              <a:t>28/06/2018</a:t>
             </a:fld>
             <a:endParaRPr lang="it-IT"/>
           </a:p>
@@ -4326,14 +4322,14 @@
             <p:ph idx="1"/>
             <p:extLst>
               <p:ext uri="{D42A27DB-BD31-4B8C-83A1-F6EECF244321}">
-                <p14:modId xmlns:p14="http://schemas.microsoft.com/office/powerpoint/2010/main" val="3277800536"/>
+                <p14:modId xmlns:p14="http://schemas.microsoft.com/office/powerpoint/2010/main" val="689171826"/>
               </p:ext>
             </p:extLst>
           </p:nvPr>
         </p:nvGraphicFramePr>
         <p:xfrm>
           <a:off x="471488" y="2453466"/>
-          <a:ext cx="5918932" cy="4986024"/>
+          <a:ext cx="5918932" cy="2841244"/>
         </p:xfrm>
         <a:graphic>
           <a:graphicData uri="http://schemas.openxmlformats.org/drawingml/2006/table">
@@ -4520,105 +4516,6 @@
                   </a:ext>
                 </a:extLst>
               </a:tr>
-              <a:tr h="640030">
-                <a:tc>
-                  <a:txBody>
-                    <a:bodyPr/>
-                    <a:lstStyle/>
-                    <a:p>
-                      <a:r>
-                        <a:rPr lang="it-IT" sz="1700" dirty="0"/>
-                        <a:t>(BR 5)</a:t>
-                      </a:r>
-                    </a:p>
-                  </a:txBody>
-                  <a:tcPr marL="38576" marR="38576" marT="50029" marB="50029"/>
-                </a:tc>
-                <a:tc>
-                  <a:txBody>
-                    <a:bodyPr/>
-                    <a:lstStyle/>
-                    <a:p>
-                      <a:r>
-                        <a:rPr lang="it-IT" sz="1700" dirty="0"/>
-                        <a:t>I Capitoli associati ad una Pubblicazione devono essere numerati consecutivamente</a:t>
-                      </a:r>
-                    </a:p>
-                  </a:txBody>
-                  <a:tcPr marL="38576" marR="38576" marT="50029" marB="50029"/>
-                </a:tc>
-                <a:extLst>
-                  <a:ext uri="{0D108BD9-81ED-4DB2-BD59-A6C34878D82A}">
-                    <a16:rowId xmlns:a16="http://schemas.microsoft.com/office/drawing/2014/main" val="2265744780"/>
-                  </a:ext>
-                </a:extLst>
-              </a:tr>
-              <a:tr h="627452">
-                <a:tc>
-                  <a:txBody>
-                    <a:bodyPr/>
-                    <a:lstStyle/>
-                    <a:p>
-                      <a:r>
-                        <a:rPr lang="it-IT" sz="1700" dirty="0"/>
-                        <a:t>(BR 6)</a:t>
-                      </a:r>
-                    </a:p>
-                  </a:txBody>
-                  <a:tcPr marL="38576" marR="38576" marT="50029" marB="50029"/>
-                </a:tc>
-                <a:tc>
-                  <a:txBody>
-                    <a:bodyPr/>
-                    <a:lstStyle/>
-                    <a:p>
-                      <a:r>
-                        <a:rPr lang="it-IT" sz="1700" dirty="0"/>
-                        <a:t>Le Ristampe associate ad una pubblicazione devono essere numerate consecutivamente</a:t>
-                      </a:r>
-                    </a:p>
-                  </a:txBody>
-                  <a:tcPr marL="38576" marR="38576" marT="50029" marB="50029"/>
-                </a:tc>
-                <a:extLst>
-                  <a:ext uri="{0D108BD9-81ED-4DB2-BD59-A6C34878D82A}">
-                    <a16:rowId xmlns:a16="http://schemas.microsoft.com/office/drawing/2014/main" val="1625569182"/>
-                  </a:ext>
-                </a:extLst>
-              </a:tr>
-              <a:tr h="854438">
-                <a:tc>
-                  <a:txBody>
-                    <a:bodyPr/>
-                    <a:lstStyle/>
-                    <a:p>
-                      <a:r>
-                        <a:rPr lang="it-IT" sz="1700" dirty="0"/>
-                        <a:t>(BR 7)</a:t>
-                      </a:r>
-                    </a:p>
-                  </a:txBody>
-                  <a:tcPr marL="38576" marR="38576" marT="50029" marB="50029"/>
-                </a:tc>
-                <a:tc>
-                  <a:txBody>
-                    <a:bodyPr/>
-                    <a:lstStyle/>
-                    <a:p>
-                      <a:r>
-                        <a:rPr lang="it-IT" sz="1700" dirty="0"/>
-                        <a:t>Ogni Pubblicazione deve partecipare alla relazione ‘’Modifica’’, dove l’attributo Tipo è uguale a ‘’Inserimento’’, esattamente una volta</a:t>
-                      </a:r>
-                    </a:p>
-                  </a:txBody>
-                  <a:tcPr marL="38576" marR="38576" marT="50029" marB="50029"/>
-                </a:tc>
-                <a:extLst>
-                  <a:ext uri="{0D108BD9-81ED-4DB2-BD59-A6C34878D82A}">
-                    <a16:rowId xmlns:a16="http://schemas.microsoft.com/office/drawing/2014/main" val="3332655194"/>
-                  </a:ext>
-                </a:extLst>
-              </a:tr>
             </a:tbl>
           </a:graphicData>
         </a:graphic>
@@ -4638,14 +4535,14 @@
           <p:nvPr>
             <p:extLst>
               <p:ext uri="{D42A27DB-BD31-4B8C-83A1-F6EECF244321}">
-                <p14:modId xmlns:p14="http://schemas.microsoft.com/office/powerpoint/2010/main" val="212516462"/>
+                <p14:modId xmlns:p14="http://schemas.microsoft.com/office/powerpoint/2010/main" val="937942733"/>
               </p:ext>
             </p:extLst>
           </p:nvPr>
         </p:nvGraphicFramePr>
         <p:xfrm>
-          <a:off x="471488" y="7450849"/>
-          <a:ext cx="5915025" cy="616932"/>
+          <a:off x="471486" y="7271971"/>
+          <a:ext cx="5915025" cy="635398"/>
         </p:xfrm>
         <a:graphic>
           <a:graphicData uri="http://schemas.openxmlformats.org/drawingml/2006/table">
@@ -4669,7 +4566,7 @@
                   </a:extLst>
                 </a:gridCol>
               </a:tblGrid>
-              <a:tr h="296151">
+              <a:tr h="324224">
                 <a:tc>
                   <a:txBody>
                     <a:bodyPr/>
@@ -4731,6 +4628,61 @@
           </a:graphicData>
         </a:graphic>
       </p:graphicFrame>
+      <p:sp>
+        <p:nvSpPr>
+          <p:cNvPr id="5" name="Titolo 1">
+            <a:extLst>
+              <a:ext uri="{FF2B5EF4-FFF2-40B4-BE49-F238E27FC236}">
+                <a16:creationId xmlns:a16="http://schemas.microsoft.com/office/drawing/2014/main" id="{256487D0-0DB1-4F8B-92EB-C415E640047C}"/>
+              </a:ext>
+            </a:extLst>
+          </p:cNvPr>
+          <p:cNvSpPr txBox="1">
+            <a:spLocks/>
+          </p:cNvSpPr>
+          <p:nvPr/>
+        </p:nvSpPr>
+        <p:spPr>
+          <a:xfrm>
+            <a:off x="471487" y="5357269"/>
+            <a:ext cx="5915025" cy="1914702"/>
+          </a:xfrm>
+          <a:prstGeom prst="rect">
+            <a:avLst/>
+          </a:prstGeom>
+        </p:spPr>
+        <p:txBody>
+          <a:bodyPr vert="horz" lIns="91440" tIns="45720" rIns="91440" bIns="45720" rtlCol="0" anchor="ctr">
+            <a:normAutofit/>
+          </a:bodyPr>
+          <a:lstStyle>
+            <a:lvl1pPr algn="l" defTabSz="685800" rtl="0" eaLnBrk="1" latinLnBrk="0" hangingPunct="1">
+              <a:lnSpc>
+                <a:spcPct val="90000"/>
+              </a:lnSpc>
+              <a:spcBef>
+                <a:spcPct val="0"/>
+              </a:spcBef>
+              <a:buNone/>
+              <a:defRPr sz="3300" kern="1200">
+                <a:solidFill>
+                  <a:schemeClr val="tx1"/>
+                </a:solidFill>
+                <a:latin typeface="+mj-lt"/>
+                <a:ea typeface="+mj-ea"/>
+                <a:cs typeface="+mj-cs"/>
+              </a:defRPr>
+            </a:lvl1pPr>
+          </a:lstStyle>
+          <a:p>
+            <a:r>
+              <a:rPr lang="it-IT" dirty="0" err="1"/>
+              <a:t>Derivations</a:t>
+            </a:r>
+            <a:endParaRPr lang="it-IT" dirty="0"/>
+          </a:p>
+        </p:txBody>
+      </p:sp>
     </p:spTree>
     <p:extLst>
       <p:ext uri="{BB962C8B-B14F-4D97-AF65-F5344CB8AC3E}">
